--- a/AngularJS/lesson_14/Presentation/services_1.pptx
+++ b/AngularJS/lesson_14/Presentation/services_1.pptx
@@ -213,7 +213,7 @@
           <a:p>
             <a:fld id="{060326BE-1567-4223-85A8-8FAD20C7F757}" type="datetimeFigureOut">
               <a:rPr lang="uk-UA" smtClean="0"/>
-              <a:t>12.08.2016</a:t>
+              <a:t>18.08.2016</a:t>
             </a:fld>
             <a:endParaRPr lang="uk-UA"/>
           </a:p>
@@ -2887,10 +2887,28 @@
               <a:t>Сервисы</a:t>
             </a:r>
             <a:r>
+              <a:rPr lang="en-US" sz="1800" b="1" dirty="0">
+                <a:latin typeface="Calibri" pitchFamily="34" charset="0"/>
+              </a:rPr>
+              <a:t> </a:t>
+            </a:r>
+            <a:r>
               <a:rPr lang="ru-RU" sz="1800" dirty="0">
                 <a:latin typeface="Calibri" pitchFamily="34" charset="0"/>
               </a:rPr>
-              <a:t>–специальные объекты, которые передаются компонентам приложения с помощью внедрения зависимостей.  </a:t>
+              <a:t>–</a:t>
+            </a:r>
+            <a:r>
+              <a:rPr lang="en-US" sz="1800" dirty="0">
+                <a:latin typeface="Calibri" pitchFamily="34" charset="0"/>
+              </a:rPr>
+              <a:t> </a:t>
+            </a:r>
+            <a:r>
+              <a:rPr lang="ru-RU" sz="1800" dirty="0">
+                <a:latin typeface="Calibri" pitchFamily="34" charset="0"/>
+              </a:rPr>
+              <a:t>специальные объекты, которые передаются компонентам приложения с помощью внедрения зависимостей.  </a:t>
             </a:r>
           </a:p>
           <a:p>
